--- a/Week_3_Project.pptx
+++ b/Week_3_Project.pptx
@@ -277,8 +277,45 @@
 <p1510:revInfo xmlns:a="http://schemas.openxmlformats.org/drawingml/2006/main" xmlns:r="http://schemas.openxmlformats.org/officeDocument/2006/relationships" xmlns:p1510="http://schemas.microsoft.com/office/powerpoint/2015/10/main">
   <p1510:revLst>
     <p1510:client id="{1DCA2C85-F6B4-4EE3-88FC-FBE8D1B787BD}" v="8" dt="2025-08-02T15:34:17.048"/>
+    <p1510:client id="{4EE2C303-EBBC-4CE8-8EA0-E7C6DC318EFE}" v="4" dt="2025-08-02T15:55:34.856"/>
   </p1510:revLst>
 </p1510:revInfo>
+</file>
+
+<file path=ppt/changesInfos/changesInfo1.xml><?xml version="1.0" encoding="utf-8"?>
+<pc:chgInfo xmlns:a="http://schemas.openxmlformats.org/drawingml/2006/main" xmlns:r="http://schemas.openxmlformats.org/officeDocument/2006/relationships" xmlns:ac="http://schemas.microsoft.com/office/drawing/2013/main/command" xmlns:pc="http://schemas.microsoft.com/office/powerpoint/2013/main/command">
+  <pc:docChgLst>
+    <pc:chgData name="bhavaniedla7@gmail.com" userId="7b406eaf2b685b14" providerId="LiveId" clId="{4EE2C303-EBBC-4CE8-8EA0-E7C6DC318EFE}"/>
+    <pc:docChg chg="addSld delSld modSld">
+      <pc:chgData name="bhavaniedla7@gmail.com" userId="7b406eaf2b685b14" providerId="LiveId" clId="{4EE2C303-EBBC-4CE8-8EA0-E7C6DC318EFE}" dt="2025-08-02T15:56:03.400" v="38" actId="2696"/>
+      <pc:docMkLst>
+        <pc:docMk/>
+      </pc:docMkLst>
+      <pc:sldChg chg="modSp mod">
+        <pc:chgData name="bhavaniedla7@gmail.com" userId="7b406eaf2b685b14" providerId="LiveId" clId="{4EE2C303-EBBC-4CE8-8EA0-E7C6DC318EFE}" dt="2025-08-02T15:55:21.542" v="37"/>
+        <pc:sldMkLst>
+          <pc:docMk/>
+          <pc:sldMk cId="3002968868" sldId="261"/>
+        </pc:sldMkLst>
+        <pc:spChg chg="mod">
+          <ac:chgData name="bhavaniedla7@gmail.com" userId="7b406eaf2b685b14" providerId="LiveId" clId="{4EE2C303-EBBC-4CE8-8EA0-E7C6DC318EFE}" dt="2025-08-02T15:55:21.542" v="37"/>
+          <ac:spMkLst>
+            <pc:docMk/>
+            <pc:sldMk cId="3002968868" sldId="261"/>
+            <ac:spMk id="4" creationId="{495036ED-5DB6-BE05-51B3-3AABAB2E69DB}"/>
+          </ac:spMkLst>
+        </pc:spChg>
+      </pc:sldChg>
+      <pc:sldChg chg="new del">
+        <pc:chgData name="bhavaniedla7@gmail.com" userId="7b406eaf2b685b14" providerId="LiveId" clId="{4EE2C303-EBBC-4CE8-8EA0-E7C6DC318EFE}" dt="2025-08-02T15:56:03.400" v="38" actId="2696"/>
+        <pc:sldMkLst>
+          <pc:docMk/>
+          <pc:sldMk cId="554398592" sldId="265"/>
+        </pc:sldMkLst>
+      </pc:sldChg>
+    </pc:docChg>
+  </pc:docChgLst>
+</pc:chgInfo>
 </file>
 
 <file path=ppt/slideLayouts/slideLayout1.xml><?xml version="1.0" encoding="utf-8"?>
@@ -2461,31 +2498,16 @@
               <a:rPr lang="en-US" dirty="0"/>
               <a:t>Github link: </a:t>
             </a:r>
-          </a:p>
-          <a:p>
-            <a:r>
-              <a:rPr lang="en-IN">
+            <a:r>
+              <a:rPr lang="en-US" dirty="0">
                 <a:hlinkClick r:id="rId2"/>
               </a:rPr>
-              <a:t>Bhavaniedla12</a:t>
-            </a:r>
-            <a:r>
-              <a:rPr lang="en-IN" dirty="0">
-                <a:hlinkClick r:id="rId2"/>
-              </a:rPr>
-              <a:t>/project-</a:t>
-            </a:r>
-            <a:r>
-              <a:rPr lang="en-IN" dirty="0" err="1">
-                <a:hlinkClick r:id="rId2"/>
-              </a:rPr>
-              <a:t>edunet</a:t>
-            </a:r>
-            <a:r>
-              <a:rPr lang="en-IN" dirty="0"/>
-              <a:t>	</a:t>
+              <a:t>https://github.com/Bhavaniedla12/project-edunet.git</a:t>
             </a:r>
             <a:endParaRPr lang="en-US" dirty="0"/>
+          </a:p>
+          <a:p>
+            <a:endParaRPr lang="en-IN" dirty="0"/>
           </a:p>
         </p:txBody>
       </p:sp>
